--- a/Sample  View_Final BI Visualization.pptx
+++ b/Sample  View_Final BI Visualization.pptx
@@ -28876,8 +28876,8 @@
         </p:nvSpPr>
         <p:spPr>
           <a:xfrm rot="0">
-            <a:off x="5096576" y="3417534"/>
-            <a:ext cx="558781" cy="461135"/>
+            <a:off x="4983639" y="3417534"/>
+            <a:ext cx="667986" cy="491855"/>
           </a:xfrm>
           <a:prstGeom prst="rect">
             <a:avLst/>
@@ -28918,7 +28918,7 @@
         <p:spPr>
           <a:xfrm rot="0">
             <a:off x="8042400" y="3431562"/>
-            <a:ext cx="558781" cy="461135"/>
+            <a:ext cx="694808" cy="491855"/>
           </a:xfrm>
           <a:prstGeom prst="rect">
             <a:avLst/>
@@ -28958,8 +28958,8 @@
         </p:nvSpPr>
         <p:spPr>
           <a:xfrm rot="0">
-            <a:off x="11037321" y="3417534"/>
-            <a:ext cx="558781" cy="461135"/>
+            <a:off x="10938243" y="3417534"/>
+            <a:ext cx="759055" cy="491855"/>
           </a:xfrm>
           <a:prstGeom prst="rect">
             <a:avLst/>
@@ -28999,8 +28999,8 @@
         </p:nvSpPr>
         <p:spPr>
           <a:xfrm rot="0">
-            <a:off x="13985109" y="3417534"/>
-            <a:ext cx="597890" cy="461135"/>
+            <a:off x="13897573" y="3417534"/>
+            <a:ext cx="788751" cy="491855"/>
           </a:xfrm>
           <a:prstGeom prst="rect">
             <a:avLst/>
@@ -34802,8 +34802,8 @@
         </p:nvSpPr>
         <p:spPr>
           <a:xfrm rot="0">
-            <a:off x="3314170" y="3340381"/>
-            <a:ext cx="989783" cy="461135"/>
+            <a:off x="3229800" y="3340381"/>
+            <a:ext cx="1177460" cy="480194"/>
           </a:xfrm>
           <a:prstGeom prst="rect">
             <a:avLst/>
@@ -34817,11 +34817,11 @@
           <a:p>
             <a:pPr algn="ctr">
               <a:lnSpc>
-                <a:spcPts val="4122"/>
-              </a:lnSpc>
-            </a:pPr>
-            <a:r>
-              <a:rPr lang="en-US" sz="2944" spc="-32">
+                <a:spcPts val="3982"/>
+              </a:lnSpc>
+            </a:pPr>
+            <a:r>
+              <a:rPr lang="en-US" sz="2844" spc="-31">
                 <a:solidFill>
                   <a:srgbClr val="FFFFFF"/>
                 </a:solidFill>
@@ -34843,8 +34843,8 @@
         </p:nvSpPr>
         <p:spPr>
           <a:xfrm rot="0">
-            <a:off x="7265825" y="3340381"/>
-            <a:ext cx="597890" cy="461135"/>
+            <a:off x="7166866" y="3340381"/>
+            <a:ext cx="826107" cy="480194"/>
           </a:xfrm>
           <a:prstGeom prst="rect">
             <a:avLst/>
@@ -34858,11 +34858,11 @@
           <a:p>
             <a:pPr algn="ctr">
               <a:lnSpc>
-                <a:spcPts val="4122"/>
-              </a:lnSpc>
-            </a:pPr>
-            <a:r>
-              <a:rPr lang="en-US" sz="2944" spc="-32">
+                <a:spcPts val="3982"/>
+              </a:lnSpc>
+            </a:pPr>
+            <a:r>
+              <a:rPr lang="en-US" sz="2844" spc="-31">
                 <a:solidFill>
                   <a:srgbClr val="FFFFFF"/>
                 </a:solidFill>
@@ -34884,8 +34884,8 @@
         </p:nvSpPr>
         <p:spPr>
           <a:xfrm rot="0">
-            <a:off x="11233710" y="3340381"/>
-            <a:ext cx="745041" cy="461135"/>
+            <a:off x="11106005" y="3325021"/>
+            <a:ext cx="1008187" cy="491855"/>
           </a:xfrm>
           <a:prstGeom prst="rect">
             <a:avLst/>
@@ -34925,8 +34925,8 @@
         </p:nvSpPr>
         <p:spPr>
           <a:xfrm rot="0">
-            <a:off x="15227223" y="3340381"/>
-            <a:ext cx="897031" cy="461135"/>
+            <a:off x="15208594" y="3325021"/>
+            <a:ext cx="1051337" cy="491855"/>
           </a:xfrm>
           <a:prstGeom prst="rect">
             <a:avLst/>
